--- a/logo2024.pptx
+++ b/logo2024.pptx
@@ -260,7 +260,7 @@
           <a:p>
             <a:fld id="{943D43C7-B997-494A-982E-6D26F2CB60DD}" type="datetimeFigureOut">
               <a:rPr lang="en-US" smtClean="0"/>
-              <a:t>10/27/2024</a:t>
+              <a:t>5/16/2025</a:t>
             </a:fld>
             <a:endParaRPr lang="en-US"/>
           </a:p>
@@ -458,7 +458,7 @@
           <a:p>
             <a:fld id="{943D43C7-B997-494A-982E-6D26F2CB60DD}" type="datetimeFigureOut">
               <a:rPr lang="en-US" smtClean="0"/>
-              <a:t>10/27/2024</a:t>
+              <a:t>5/16/2025</a:t>
             </a:fld>
             <a:endParaRPr lang="en-US"/>
           </a:p>
@@ -666,7 +666,7 @@
           <a:p>
             <a:fld id="{943D43C7-B997-494A-982E-6D26F2CB60DD}" type="datetimeFigureOut">
               <a:rPr lang="en-US" smtClean="0"/>
-              <a:t>10/27/2024</a:t>
+              <a:t>5/16/2025</a:t>
             </a:fld>
             <a:endParaRPr lang="en-US"/>
           </a:p>
@@ -864,7 +864,7 @@
           <a:p>
             <a:fld id="{943D43C7-B997-494A-982E-6D26F2CB60DD}" type="datetimeFigureOut">
               <a:rPr lang="en-US" smtClean="0"/>
-              <a:t>10/27/2024</a:t>
+              <a:t>5/16/2025</a:t>
             </a:fld>
             <a:endParaRPr lang="en-US"/>
           </a:p>
@@ -1139,7 +1139,7 @@
           <a:p>
             <a:fld id="{943D43C7-B997-494A-982E-6D26F2CB60DD}" type="datetimeFigureOut">
               <a:rPr lang="en-US" smtClean="0"/>
-              <a:t>10/27/2024</a:t>
+              <a:t>5/16/2025</a:t>
             </a:fld>
             <a:endParaRPr lang="en-US"/>
           </a:p>
@@ -1404,7 +1404,7 @@
           <a:p>
             <a:fld id="{943D43C7-B997-494A-982E-6D26F2CB60DD}" type="datetimeFigureOut">
               <a:rPr lang="en-US" smtClean="0"/>
-              <a:t>10/27/2024</a:t>
+              <a:t>5/16/2025</a:t>
             </a:fld>
             <a:endParaRPr lang="en-US"/>
           </a:p>
@@ -1816,7 +1816,7 @@
           <a:p>
             <a:fld id="{943D43C7-B997-494A-982E-6D26F2CB60DD}" type="datetimeFigureOut">
               <a:rPr lang="en-US" smtClean="0"/>
-              <a:t>10/27/2024</a:t>
+              <a:t>5/16/2025</a:t>
             </a:fld>
             <a:endParaRPr lang="en-US"/>
           </a:p>
@@ -1957,7 +1957,7 @@
           <a:p>
             <a:fld id="{943D43C7-B997-494A-982E-6D26F2CB60DD}" type="datetimeFigureOut">
               <a:rPr lang="en-US" smtClean="0"/>
-              <a:t>10/27/2024</a:t>
+              <a:t>5/16/2025</a:t>
             </a:fld>
             <a:endParaRPr lang="en-US"/>
           </a:p>
@@ -2070,7 +2070,7 @@
           <a:p>
             <a:fld id="{943D43C7-B997-494A-982E-6D26F2CB60DD}" type="datetimeFigureOut">
               <a:rPr lang="en-US" smtClean="0"/>
-              <a:t>10/27/2024</a:t>
+              <a:t>5/16/2025</a:t>
             </a:fld>
             <a:endParaRPr lang="en-US"/>
           </a:p>
@@ -2381,7 +2381,7 @@
           <a:p>
             <a:fld id="{943D43C7-B997-494A-982E-6D26F2CB60DD}" type="datetimeFigureOut">
               <a:rPr lang="en-US" smtClean="0"/>
-              <a:t>10/27/2024</a:t>
+              <a:t>5/16/2025</a:t>
             </a:fld>
             <a:endParaRPr lang="en-US"/>
           </a:p>
@@ -2669,7 +2669,7 @@
           <a:p>
             <a:fld id="{943D43C7-B997-494A-982E-6D26F2CB60DD}" type="datetimeFigureOut">
               <a:rPr lang="en-US" smtClean="0"/>
-              <a:t>10/27/2024</a:t>
+              <a:t>5/16/2025</a:t>
             </a:fld>
             <a:endParaRPr lang="en-US"/>
           </a:p>
@@ -2910,7 +2910,7 @@
           <a:p>
             <a:fld id="{943D43C7-B997-494A-982E-6D26F2CB60DD}" type="datetimeFigureOut">
               <a:rPr lang="en-US" smtClean="0"/>
-              <a:t>10/27/2024</a:t>
+              <a:t>5/16/2025</a:t>
             </a:fld>
             <a:endParaRPr lang="en-US"/>
           </a:p>
@@ -4021,298 +4021,447 @@
           <a:chExt cx="0" cy="0"/>
         </a:xfrm>
       </p:grpSpPr>
-      <p:grpSp>
-        <p:nvGrpSpPr>
-          <p:cNvPr id="34" name="Group 33">
-            <a:extLst>
-              <a:ext uri="{FF2B5EF4-FFF2-40B4-BE49-F238E27FC236}">
-                <a16:creationId xmlns:a16="http://schemas.microsoft.com/office/drawing/2014/main" id="{690229DF-CFB5-47AE-A379-DB0FB23DCB91}"/>
-              </a:ext>
-            </a:extLst>
-          </p:cNvPr>
-          <p:cNvGrpSpPr/>
+      <p:pic>
+        <p:nvPicPr>
+          <p:cNvPr id="1026" name="Picture 2" descr="Nguyên lý hoạt động của các dòng máy đo nhiệt trị | REDLAB">
+            <a:extLst>
+              <a:ext uri="{FF2B5EF4-FFF2-40B4-BE49-F238E27FC236}">
+                <a16:creationId xmlns:a16="http://schemas.microsoft.com/office/drawing/2014/main" id="{B6F435D2-2F50-5D8A-07D0-58F7209111C7}"/>
+              </a:ext>
+            </a:extLst>
+          </p:cNvPr>
+          <p:cNvPicPr>
+            <a:picLocks noChangeAspect="1" noChangeArrowheads="1"/>
+          </p:cNvPicPr>
           <p:nvPr/>
-        </p:nvGrpSpPr>
-        <p:grpSpPr>
+        </p:nvPicPr>
+        <p:blipFill rotWithShape="1">
+          <a:blip r:embed="rId2">
+            <a:extLst>
+              <a:ext uri="{28A0092B-C50C-407E-A947-70E740481C1C}">
+                <a14:useLocalDpi xmlns:a14="http://schemas.microsoft.com/office/drawing/2010/main" val="0"/>
+              </a:ext>
+            </a:extLst>
+          </a:blip>
+          <a:srcRect b="10476"/>
+          <a:stretch/>
+        </p:blipFill>
+        <p:spPr bwMode="auto">
           <a:xfrm>
-            <a:off x="2391140" y="1810847"/>
-            <a:ext cx="2294378" cy="2610942"/>
-            <a:chOff x="708135" y="1155701"/>
-            <a:chExt cx="3682858" cy="4191000"/>
-          </a:xfrm>
-        </p:grpSpPr>
-        <p:sp>
-          <p:nvSpPr>
-            <p:cNvPr id="10" name="Hexagon 9">
-              <a:extLst>
-                <a:ext uri="{FF2B5EF4-FFF2-40B4-BE49-F238E27FC236}">
-                  <a16:creationId xmlns:a16="http://schemas.microsoft.com/office/drawing/2014/main" id="{9A7D84E7-47A6-43DE-AF62-25B351A4AA7D}"/>
-                </a:ext>
-              </a:extLst>
-            </p:cNvPr>
-            <p:cNvSpPr/>
-            <p:nvPr/>
-          </p:nvSpPr>
-          <p:spPr>
-            <a:xfrm rot="16200000">
-              <a:off x="419100" y="1444736"/>
-              <a:ext cx="4191000" cy="3612930"/>
-            </a:xfrm>
-            <a:prstGeom prst="hexagon">
-              <a:avLst/>
-            </a:prstGeom>
-            <a:noFill/>
-            <a:ln w="76200">
-              <a:solidFill>
-                <a:srgbClr val="00B050"/>
-              </a:solidFill>
-            </a:ln>
-          </p:spPr>
-          <p:style>
-            <a:lnRef idx="2">
-              <a:schemeClr val="accent1">
-                <a:shade val="50000"/>
-              </a:schemeClr>
-            </a:lnRef>
-            <a:fillRef idx="1">
-              <a:schemeClr val="accent1"/>
-            </a:fillRef>
-            <a:effectRef idx="0">
-              <a:schemeClr val="accent1"/>
-            </a:effectRef>
-            <a:fontRef idx="minor">
-              <a:schemeClr val="lt1"/>
-            </a:fontRef>
-          </p:style>
-          <p:txBody>
-            <a:bodyPr rtlCol="0" anchor="ctr"/>
-            <a:lstStyle/>
-            <a:p>
-              <a:pPr algn="ctr"/>
-              <a:endParaRPr lang="en-US"/>
-            </a:p>
-          </p:txBody>
-        </p:sp>
-        <p:sp>
-          <p:nvSpPr>
-            <p:cNvPr id="22" name="Hexagon 21">
-              <a:extLst>
-                <a:ext uri="{FF2B5EF4-FFF2-40B4-BE49-F238E27FC236}">
-                  <a16:creationId xmlns:a16="http://schemas.microsoft.com/office/drawing/2014/main" id="{9FCBCCFC-180D-40D0-84BD-FBBA4882B4C5}"/>
-                </a:ext>
-              </a:extLst>
-            </p:cNvPr>
-            <p:cNvSpPr/>
-            <p:nvPr/>
-          </p:nvSpPr>
-          <p:spPr>
-            <a:xfrm rot="16200000">
-              <a:off x="569975" y="1574801"/>
-              <a:ext cx="3889250" cy="3352800"/>
-            </a:xfrm>
-            <a:prstGeom prst="hexagon">
-              <a:avLst/>
-            </a:prstGeom>
-            <a:noFill/>
-            <a:ln w="19050">
-              <a:solidFill>
-                <a:srgbClr val="00B050"/>
-              </a:solidFill>
-            </a:ln>
-          </p:spPr>
-          <p:style>
-            <a:lnRef idx="2">
-              <a:schemeClr val="accent1">
-                <a:shade val="50000"/>
-              </a:schemeClr>
-            </a:lnRef>
-            <a:fillRef idx="1">
-              <a:schemeClr val="accent1"/>
-            </a:fillRef>
-            <a:effectRef idx="0">
-              <a:schemeClr val="accent1"/>
-            </a:effectRef>
-            <a:fontRef idx="minor">
-              <a:schemeClr val="lt1"/>
-            </a:fontRef>
-          </p:style>
-          <p:txBody>
-            <a:bodyPr rtlCol="0" anchor="ctr"/>
-            <a:lstStyle/>
-            <a:p>
-              <a:pPr algn="ctr"/>
-              <a:endParaRPr lang="en-US"/>
-            </a:p>
-          </p:txBody>
-        </p:sp>
-        <p:sp>
-          <p:nvSpPr>
-            <p:cNvPr id="18" name="Isosceles Triangle 17">
-              <a:extLst>
-                <a:ext uri="{FF2B5EF4-FFF2-40B4-BE49-F238E27FC236}">
-                  <a16:creationId xmlns:a16="http://schemas.microsoft.com/office/drawing/2014/main" id="{7B11CAEE-9582-4EBE-A08C-43561056C875}"/>
-                </a:ext>
-              </a:extLst>
-            </p:cNvPr>
-            <p:cNvSpPr/>
-            <p:nvPr/>
-          </p:nvSpPr>
-          <p:spPr>
-            <a:xfrm rot="16200000">
-              <a:off x="2194536" y="2272778"/>
-              <a:ext cx="2444918" cy="1947996"/>
-            </a:xfrm>
-            <a:prstGeom prst="triangle">
-              <a:avLst/>
-            </a:prstGeom>
-            <a:solidFill>
-              <a:schemeClr val="bg1"/>
-            </a:solidFill>
-            <a:ln>
-              <a:noFill/>
-            </a:ln>
-          </p:spPr>
-          <p:style>
-            <a:lnRef idx="2">
-              <a:schemeClr val="accent1">
-                <a:shade val="50000"/>
-              </a:schemeClr>
-            </a:lnRef>
-            <a:fillRef idx="1">
-              <a:schemeClr val="accent1"/>
-            </a:fillRef>
-            <a:effectRef idx="0">
-              <a:schemeClr val="accent1"/>
-            </a:effectRef>
-            <a:fontRef idx="minor">
-              <a:schemeClr val="lt1"/>
-            </a:fontRef>
-          </p:style>
-          <p:txBody>
-            <a:bodyPr rtlCol="0" anchor="ctr"/>
-            <a:lstStyle/>
-            <a:p>
-              <a:pPr algn="ctr"/>
-              <a:endParaRPr lang="en-US"/>
-            </a:p>
-          </p:txBody>
-        </p:sp>
-        <p:pic>
-          <p:nvPicPr>
-            <p:cNvPr id="4" name="Picture 3">
-              <a:extLst>
-                <a:ext uri="{FF2B5EF4-FFF2-40B4-BE49-F238E27FC236}">
-                  <a16:creationId xmlns:a16="http://schemas.microsoft.com/office/drawing/2014/main" id="{A057ACA0-BA10-41B2-98D8-4FEC64025529}"/>
-                </a:ext>
-              </a:extLst>
-            </p:cNvPr>
-            <p:cNvPicPr>
-              <a:picLocks noChangeAspect="1"/>
-            </p:cNvPicPr>
-            <p:nvPr/>
-          </p:nvPicPr>
-          <p:blipFill rotWithShape="1">
-            <a:blip r:embed="rId2">
-              <a:extLst>
-                <a:ext uri="{28A0092B-C50C-407E-A947-70E740481C1C}">
-                  <a14:useLocalDpi xmlns:a14="http://schemas.microsoft.com/office/drawing/2010/main" val="0"/>
-                </a:ext>
-              </a:extLst>
-            </a:blip>
-            <a:srcRect l="6266" t="12346" r="7734" b="18176"/>
-            <a:stretch/>
-          </p:blipFill>
-          <p:spPr>
-            <a:xfrm>
-              <a:off x="1156622" y="2032526"/>
-              <a:ext cx="2583876" cy="2254468"/>
-            </a:xfrm>
-            <a:prstGeom prst="rect">
-              <a:avLst/>
-            </a:prstGeom>
-          </p:spPr>
-        </p:pic>
-      </p:grpSp>
-      <p:sp>
-        <p:nvSpPr>
-          <p:cNvPr id="5" name="TextBox 4">
-            <a:extLst>
-              <a:ext uri="{FF2B5EF4-FFF2-40B4-BE49-F238E27FC236}">
-                <a16:creationId xmlns:a16="http://schemas.microsoft.com/office/drawing/2014/main" id="{DDD9E31F-4A32-4D06-BB23-FC6A24A9EBAC}"/>
-              </a:ext>
-            </a:extLst>
-          </p:cNvPr>
-          <p:cNvSpPr txBox="1"/>
-          <p:nvPr/>
-        </p:nvSpPr>
-        <p:spPr>
-          <a:xfrm>
-            <a:off x="4395069" y="2119496"/>
-            <a:ext cx="4401798" cy="2677656"/>
+            <a:off x="3524250" y="0"/>
+            <a:ext cx="5143500" cy="6139543"/>
           </a:xfrm>
           <a:prstGeom prst="rect">
             <a:avLst/>
           </a:prstGeom>
           <a:noFill/>
+          <a:extLst>
+            <a:ext uri="{909E8E84-426E-40DD-AFC4-6F175D3DCCD1}">
+              <a14:hiddenFill xmlns:a14="http://schemas.microsoft.com/office/drawing/2010/main">
+                <a:solidFill>
+                  <a:srgbClr val="FFFFFF"/>
+                </a:solidFill>
+              </a14:hiddenFill>
+            </a:ext>
+          </a:extLst>
         </p:spPr>
-        <p:txBody>
-          <a:bodyPr wrap="square" rtlCol="0">
+      </p:pic>
+      <p:sp>
+        <p:nvSpPr>
+          <p:cNvPr id="2" name="TextBox 1">
+            <a:extLst>
+              <a:ext uri="{FF2B5EF4-FFF2-40B4-BE49-F238E27FC236}">
+                <a16:creationId xmlns:a16="http://schemas.microsoft.com/office/drawing/2014/main" id="{9117DC3F-0296-54D7-51F5-919310E717E4}"/>
+              </a:ext>
+            </a:extLst>
+          </p:cNvPr>
+          <p:cNvSpPr txBox="1"/>
+          <p:nvPr/>
+        </p:nvSpPr>
+        <p:spPr>
+          <a:xfrm>
+            <a:off x="5895975" y="649445"/>
+            <a:ext cx="1251368" cy="461665"/>
+          </a:xfrm>
+          <a:prstGeom prst="rect">
+            <a:avLst/>
+          </a:prstGeom>
+          <a:solidFill>
+            <a:schemeClr val="bg1"/>
+          </a:solidFill>
+        </p:spPr>
+        <p:txBody>
+          <a:bodyPr wrap="none" rtlCol="0">
             <a:spAutoFit/>
           </a:bodyPr>
           <a:lstStyle/>
           <a:p>
+            <a:r>
+              <a:rPr lang="en-US" sz="2400" dirty="0" err="1"/>
+              <a:t>Nhiệt</a:t>
+            </a:r>
+            <a:r>
+              <a:rPr lang="en-US" sz="2400" dirty="0"/>
+              <a:t> </a:t>
+            </a:r>
+            <a:r>
+              <a:rPr lang="en-US" sz="2400" dirty="0" err="1"/>
+              <a:t>kế</a:t>
+            </a:r>
+            <a:endParaRPr lang="en-US" sz="2400" dirty="0"/>
+          </a:p>
+        </p:txBody>
+      </p:sp>
+      <p:sp>
+        <p:nvSpPr>
+          <p:cNvPr id="3" name="TextBox 2">
+            <a:extLst>
+              <a:ext uri="{FF2B5EF4-FFF2-40B4-BE49-F238E27FC236}">
+                <a16:creationId xmlns:a16="http://schemas.microsoft.com/office/drawing/2014/main" id="{B6B77876-9C1B-D6BC-65C2-2D236F92CBA7}"/>
+              </a:ext>
+            </a:extLst>
+          </p:cNvPr>
+          <p:cNvSpPr txBox="1"/>
+          <p:nvPr/>
+        </p:nvSpPr>
+        <p:spPr>
+          <a:xfrm>
+            <a:off x="6816126" y="2414984"/>
+            <a:ext cx="2046329" cy="461665"/>
+          </a:xfrm>
+          <a:prstGeom prst="rect">
+            <a:avLst/>
+          </a:prstGeom>
+          <a:solidFill>
+            <a:schemeClr val="bg1"/>
+          </a:solidFill>
+        </p:spPr>
+        <p:txBody>
+          <a:bodyPr wrap="none" rtlCol="0">
+            <a:spAutoFit/>
+          </a:bodyPr>
+          <a:lstStyle/>
+          <a:p>
+            <a:r>
+              <a:rPr lang="en-US" sz="2400" dirty="0" err="1"/>
+              <a:t>Nắp</a:t>
+            </a:r>
+            <a:r>
+              <a:rPr lang="en-US" sz="2400" dirty="0"/>
+              <a:t> </a:t>
+            </a:r>
+            <a:r>
+              <a:rPr lang="en-US" sz="2400" dirty="0" err="1"/>
+              <a:t>cách</a:t>
+            </a:r>
+            <a:r>
+              <a:rPr lang="en-US" sz="2400" dirty="0"/>
+              <a:t> </a:t>
+            </a:r>
+            <a:r>
+              <a:rPr lang="en-US" sz="2400" dirty="0" err="1"/>
+              <a:t>nhiệt</a:t>
+            </a:r>
+            <a:endParaRPr lang="en-US" sz="2400" dirty="0"/>
+          </a:p>
+        </p:txBody>
+      </p:sp>
+      <p:sp>
+        <p:nvSpPr>
+          <p:cNvPr id="6" name="TextBox 5">
+            <a:extLst>
+              <a:ext uri="{FF2B5EF4-FFF2-40B4-BE49-F238E27FC236}">
+                <a16:creationId xmlns:a16="http://schemas.microsoft.com/office/drawing/2014/main" id="{69E0F982-0505-998A-E2B3-27C079FD22A8}"/>
+              </a:ext>
+            </a:extLst>
+          </p:cNvPr>
+          <p:cNvSpPr txBox="1"/>
+          <p:nvPr/>
+        </p:nvSpPr>
+        <p:spPr>
+          <a:xfrm>
+            <a:off x="6718773" y="3163661"/>
+            <a:ext cx="2379369" cy="461665"/>
+          </a:xfrm>
+          <a:prstGeom prst="rect">
+            <a:avLst/>
+          </a:prstGeom>
+          <a:solidFill>
+            <a:schemeClr val="bg1"/>
+          </a:solidFill>
+        </p:spPr>
+        <p:txBody>
+          <a:bodyPr wrap="none" rtlCol="0">
+            <a:spAutoFit/>
+          </a:bodyPr>
+          <a:lstStyle/>
+          <a:p>
+            <a:r>
+              <a:rPr lang="en-US" sz="2400" dirty="0" err="1"/>
+              <a:t>Vỏ</a:t>
+            </a:r>
+            <a:r>
+              <a:rPr lang="en-US" sz="2400" dirty="0"/>
+              <a:t> </a:t>
+            </a:r>
+            <a:r>
+              <a:rPr lang="en-US" sz="2400" dirty="0" err="1"/>
+              <a:t>xốp</a:t>
+            </a:r>
+            <a:r>
+              <a:rPr lang="en-US" sz="2400" dirty="0"/>
+              <a:t> </a:t>
+            </a:r>
+            <a:r>
+              <a:rPr lang="en-US" sz="2400" dirty="0" err="1"/>
+              <a:t>cách</a:t>
+            </a:r>
+            <a:r>
+              <a:rPr lang="en-US" sz="2400" dirty="0"/>
+              <a:t> </a:t>
+            </a:r>
+            <a:r>
+              <a:rPr lang="en-US" sz="2400" dirty="0" err="1"/>
+              <a:t>nhiệt</a:t>
+            </a:r>
+            <a:endParaRPr lang="en-US" sz="2400" dirty="0"/>
+          </a:p>
+        </p:txBody>
+      </p:sp>
+      <p:sp>
+        <p:nvSpPr>
+          <p:cNvPr id="7" name="TextBox 6">
+            <a:extLst>
+              <a:ext uri="{FF2B5EF4-FFF2-40B4-BE49-F238E27FC236}">
+                <a16:creationId xmlns:a16="http://schemas.microsoft.com/office/drawing/2014/main" id="{6E114EDF-4CF7-2BF6-DF85-F646E31F82AA}"/>
+              </a:ext>
+            </a:extLst>
+          </p:cNvPr>
+          <p:cNvSpPr txBox="1"/>
+          <p:nvPr/>
+        </p:nvSpPr>
+        <p:spPr>
+          <a:xfrm>
+            <a:off x="6718773" y="3949690"/>
+            <a:ext cx="877163" cy="461665"/>
+          </a:xfrm>
+          <a:prstGeom prst="rect">
+            <a:avLst/>
+          </a:prstGeom>
+          <a:solidFill>
+            <a:schemeClr val="bg1"/>
+          </a:solidFill>
+        </p:spPr>
+        <p:txBody>
+          <a:bodyPr wrap="none" rtlCol="0">
+            <a:spAutoFit/>
+          </a:bodyPr>
+          <a:lstStyle/>
+          <a:p>
+            <a:r>
+              <a:rPr lang="en-US" sz="2400" dirty="0" err="1"/>
+              <a:t>Nước</a:t>
+            </a:r>
+            <a:endParaRPr lang="en-US" sz="2400" dirty="0"/>
+          </a:p>
+        </p:txBody>
+      </p:sp>
+      <p:sp>
+        <p:nvSpPr>
+          <p:cNvPr id="8" name="Rectangle 7">
+            <a:extLst>
+              <a:ext uri="{FF2B5EF4-FFF2-40B4-BE49-F238E27FC236}">
+                <a16:creationId xmlns:a16="http://schemas.microsoft.com/office/drawing/2014/main" id="{839C11FF-AB72-CC2B-FB87-59698D2B2777}"/>
+              </a:ext>
+            </a:extLst>
+          </p:cNvPr>
+          <p:cNvSpPr/>
+          <p:nvPr/>
+        </p:nvSpPr>
+        <p:spPr>
+          <a:xfrm>
+            <a:off x="6270180" y="4584143"/>
+            <a:ext cx="933101" cy="345057"/>
+          </a:xfrm>
+          <a:prstGeom prst="rect">
+            <a:avLst/>
+          </a:prstGeom>
+          <a:solidFill>
+            <a:schemeClr val="bg1"/>
+          </a:solidFill>
+          <a:ln>
+            <a:noFill/>
+          </a:ln>
+        </p:spPr>
+        <p:style>
+          <a:lnRef idx="2">
+            <a:schemeClr val="accent1">
+              <a:shade val="15000"/>
+            </a:schemeClr>
+          </a:lnRef>
+          <a:fillRef idx="1">
+            <a:schemeClr val="accent1"/>
+          </a:fillRef>
+          <a:effectRef idx="0">
+            <a:schemeClr val="accent1"/>
+          </a:effectRef>
+          <a:fontRef idx="minor">
+            <a:schemeClr val="lt1"/>
+          </a:fontRef>
+        </p:style>
+        <p:txBody>
+          <a:bodyPr rtlCol="0" anchor="ctr"/>
+          <a:lstStyle/>
+          <a:p>
             <a:pPr algn="ctr"/>
-            <a:r>
-              <a:rPr lang="en-US" sz="4200" b="1" dirty="0">
-                <a:solidFill>
-                  <a:srgbClr val="00B050"/>
-                </a:solidFill>
-                <a:latin typeface="UTM Aircona" panose="02040603050506020204" pitchFamily="18" charset="0"/>
-              </a:rPr>
-              <a:t>LỚP CÔ THẢO </a:t>
-            </a:r>
-          </a:p>
+            <a:endParaRPr lang="en-US"/>
+          </a:p>
+        </p:txBody>
+      </p:sp>
+      <p:sp>
+        <p:nvSpPr>
+          <p:cNvPr id="9" name="Isosceles Triangle 8">
+            <a:extLst>
+              <a:ext uri="{FF2B5EF4-FFF2-40B4-BE49-F238E27FC236}">
+                <a16:creationId xmlns:a16="http://schemas.microsoft.com/office/drawing/2014/main" id="{9A26A397-67F9-8B83-476C-99EB6497FF74}"/>
+              </a:ext>
+            </a:extLst>
+          </p:cNvPr>
+          <p:cNvSpPr/>
+          <p:nvPr/>
+        </p:nvSpPr>
+        <p:spPr>
+          <a:xfrm>
+            <a:off x="6147339" y="4361049"/>
+            <a:ext cx="1060704" cy="914400"/>
+          </a:xfrm>
+          <a:prstGeom prst="triangle">
+            <a:avLst>
+              <a:gd name="adj" fmla="val 9186"/>
+            </a:avLst>
+          </a:prstGeom>
+          <a:solidFill>
+            <a:schemeClr val="bg1"/>
+          </a:solidFill>
+          <a:ln>
+            <a:noFill/>
+          </a:ln>
+        </p:spPr>
+        <p:style>
+          <a:lnRef idx="2">
+            <a:schemeClr val="accent1">
+              <a:shade val="15000"/>
+            </a:schemeClr>
+          </a:lnRef>
+          <a:fillRef idx="1">
+            <a:schemeClr val="accent1"/>
+          </a:fillRef>
+          <a:effectRef idx="0">
+            <a:schemeClr val="accent1"/>
+          </a:effectRef>
+          <a:fontRef idx="minor">
+            <a:schemeClr val="lt1"/>
+          </a:fontRef>
+        </p:style>
+        <p:txBody>
+          <a:bodyPr rtlCol="0" anchor="ctr"/>
+          <a:lstStyle/>
           <a:p>
             <a:pPr algn="ctr"/>
-            <a:r>
-              <a:rPr lang="en-US" sz="4200" b="1" dirty="0">
-                <a:solidFill>
-                  <a:srgbClr val="00B050"/>
-                </a:solidFill>
-                <a:latin typeface="UTM Aircona" panose="02040603050506020204" pitchFamily="18" charset="0"/>
-              </a:rPr>
-              <a:t>&amp; THẦY SANG </a:t>
-            </a:r>
-          </a:p>
-          <a:p>
-            <a:pPr algn="ctr"/>
-            <a:r>
-              <a:rPr lang="en-US" sz="4200" b="1" dirty="0">
-                <a:solidFill>
-                  <a:srgbClr val="00B050"/>
-                </a:solidFill>
-                <a:latin typeface="UTM Aircona" panose="02040603050506020204" pitchFamily="18" charset="0"/>
-              </a:rPr>
-              <a:t>VẬT LÝ</a:t>
-            </a:r>
-          </a:p>
-          <a:p>
-            <a:pPr algn="ctr"/>
-            <a:endParaRPr lang="en-US" sz="4200" b="1" dirty="0">
-              <a:solidFill>
-                <a:srgbClr val="00B050"/>
-              </a:solidFill>
-              <a:latin typeface="UTM Aircona" panose="02040603050506020204" pitchFamily="18" charset="0"/>
-            </a:endParaRPr>
-          </a:p>
-        </p:txBody>
-      </p:sp>
+            <a:endParaRPr lang="en-US"/>
+          </a:p>
+        </p:txBody>
+      </p:sp>
+      <p:sp>
+        <p:nvSpPr>
+          <p:cNvPr id="11" name="TextBox 10">
+            <a:extLst>
+              <a:ext uri="{FF2B5EF4-FFF2-40B4-BE49-F238E27FC236}">
+                <a16:creationId xmlns:a16="http://schemas.microsoft.com/office/drawing/2014/main" id="{F793F9B2-2EAF-8D52-7308-6E97F58E3CE7}"/>
+              </a:ext>
+            </a:extLst>
+          </p:cNvPr>
+          <p:cNvSpPr txBox="1"/>
+          <p:nvPr/>
+        </p:nvSpPr>
+        <p:spPr>
+          <a:xfrm>
+            <a:off x="2763913" y="649445"/>
+            <a:ext cx="1520673" cy="461665"/>
+          </a:xfrm>
+          <a:prstGeom prst="rect">
+            <a:avLst/>
+          </a:prstGeom>
+          <a:solidFill>
+            <a:schemeClr val="bg1"/>
+          </a:solidFill>
+        </p:spPr>
+        <p:txBody>
+          <a:bodyPr wrap="none" rtlCol="0">
+            <a:spAutoFit/>
+          </a:bodyPr>
+          <a:lstStyle/>
+          <a:p>
+            <a:r>
+              <a:rPr lang="en-US" sz="2400" dirty="0"/>
+              <a:t>Que </a:t>
+            </a:r>
+            <a:r>
+              <a:rPr lang="en-US" sz="2400" dirty="0" err="1"/>
+              <a:t>khuấy</a:t>
+            </a:r>
+            <a:endParaRPr lang="en-US" sz="2400" dirty="0"/>
+          </a:p>
+        </p:txBody>
+      </p:sp>
+      <p:cxnSp>
+        <p:nvCxnSpPr>
+          <p:cNvPr id="13" name="Straight Arrow Connector 12">
+            <a:extLst>
+              <a:ext uri="{FF2B5EF4-FFF2-40B4-BE49-F238E27FC236}">
+                <a16:creationId xmlns:a16="http://schemas.microsoft.com/office/drawing/2014/main" id="{E3CC04BB-6CCD-3CE7-71C1-11C912FAA35E}"/>
+              </a:ext>
+            </a:extLst>
+          </p:cNvPr>
+          <p:cNvCxnSpPr/>
+          <p:nvPr/>
+        </p:nvCxnSpPr>
+        <p:spPr>
+          <a:xfrm flipH="1">
+            <a:off x="4366260" y="880277"/>
+            <a:ext cx="381000" cy="0"/>
+          </a:xfrm>
+          <a:prstGeom prst="straightConnector1">
+            <a:avLst/>
+          </a:prstGeom>
+          <a:ln w="12700">
+            <a:solidFill>
+              <a:srgbClr val="006BAE"/>
+            </a:solidFill>
+            <a:tailEnd type="triangle"/>
+          </a:ln>
+        </p:spPr>
+        <p:style>
+          <a:lnRef idx="1">
+            <a:schemeClr val="accent1"/>
+          </a:lnRef>
+          <a:fillRef idx="0">
+            <a:schemeClr val="accent1"/>
+          </a:fillRef>
+          <a:effectRef idx="0">
+            <a:schemeClr val="accent1"/>
+          </a:effectRef>
+          <a:fontRef idx="minor">
+            <a:schemeClr val="tx1"/>
+          </a:fontRef>
+        </p:style>
+      </p:cxnSp>
       <p:pic>
         <p:nvPicPr>
-          <p:cNvPr id="32" name="Picture 31">
-            <a:extLst>
-              <a:ext uri="{FF2B5EF4-FFF2-40B4-BE49-F238E27FC236}">
-                <a16:creationId xmlns:a16="http://schemas.microsoft.com/office/drawing/2014/main" id="{B789823C-60BD-492D-9313-76043975925E}"/>
+          <p:cNvPr id="14" name="Picture 13">
+            <a:extLst>
+              <a:ext uri="{FF2B5EF4-FFF2-40B4-BE49-F238E27FC236}">
+                <a16:creationId xmlns:a16="http://schemas.microsoft.com/office/drawing/2014/main" id="{3C5B5CD4-533B-3E95-E4D5-8183CEA80EC4}"/>
               </a:ext>
             </a:extLst>
           </p:cNvPr>
@@ -4321,126 +4470,16 @@
           </p:cNvPicPr>
           <p:nvPr/>
         </p:nvPicPr>
-        <p:blipFill rotWithShape="1">
-          <a:blip r:embed="rId3">
-            <a:extLst>
-              <a:ext uri="{28A0092B-C50C-407E-A947-70E740481C1C}">
-                <a14:useLocalDpi xmlns:a14="http://schemas.microsoft.com/office/drawing/2010/main" val="0"/>
-              </a:ext>
-            </a:extLst>
-          </a:blip>
-          <a:srcRect b="9223"/>
-          <a:stretch/>
+        <p:blipFill>
+          <a:blip r:embed="rId3"/>
+          <a:stretch>
+            <a:fillRect/>
+          </a:stretch>
         </p:blipFill>
         <p:spPr>
           <a:xfrm>
-            <a:off x="5142850" y="3607924"/>
-            <a:ext cx="382402" cy="347132"/>
-          </a:xfrm>
-          <a:prstGeom prst="rect">
-            <a:avLst/>
-          </a:prstGeom>
-        </p:spPr>
-      </p:pic>
-      <p:pic>
-        <p:nvPicPr>
-          <p:cNvPr id="37" name="Picture 36">
-            <a:extLst>
-              <a:ext uri="{FF2B5EF4-FFF2-40B4-BE49-F238E27FC236}">
-                <a16:creationId xmlns:a16="http://schemas.microsoft.com/office/drawing/2014/main" id="{B33C847F-4875-44DD-BEFC-84FD7E764DB0}"/>
-              </a:ext>
-            </a:extLst>
-          </p:cNvPr>
-          <p:cNvPicPr>
-            <a:picLocks noChangeAspect="1"/>
-          </p:cNvPicPr>
-          <p:nvPr/>
-        </p:nvPicPr>
-        <p:blipFill rotWithShape="1">
-          <a:blip r:embed="rId3">
-            <a:extLst>
-              <a:ext uri="{28A0092B-C50C-407E-A947-70E740481C1C}">
-                <a14:useLocalDpi xmlns:a14="http://schemas.microsoft.com/office/drawing/2010/main" val="0"/>
-              </a:ext>
-            </a:extLst>
-          </a:blip>
-          <a:srcRect b="9223"/>
-          <a:stretch/>
-        </p:blipFill>
-        <p:spPr>
-          <a:xfrm>
-            <a:off x="7769969" y="3607924"/>
-            <a:ext cx="382402" cy="347132"/>
-          </a:xfrm>
-          <a:prstGeom prst="rect">
-            <a:avLst/>
-          </a:prstGeom>
-        </p:spPr>
-      </p:pic>
-      <p:pic>
-        <p:nvPicPr>
-          <p:cNvPr id="40" name="Picture 39">
-            <a:extLst>
-              <a:ext uri="{FF2B5EF4-FFF2-40B4-BE49-F238E27FC236}">
-                <a16:creationId xmlns:a16="http://schemas.microsoft.com/office/drawing/2014/main" id="{EA02AC94-C623-43AE-AB23-045F900FED2A}"/>
-              </a:ext>
-            </a:extLst>
-          </p:cNvPr>
-          <p:cNvPicPr>
-            <a:picLocks noChangeAspect="1"/>
-          </p:cNvPicPr>
-          <p:nvPr/>
-        </p:nvPicPr>
-        <p:blipFill rotWithShape="1">
-          <a:blip r:embed="rId3">
-            <a:extLst>
-              <a:ext uri="{28A0092B-C50C-407E-A947-70E740481C1C}">
-                <a14:useLocalDpi xmlns:a14="http://schemas.microsoft.com/office/drawing/2010/main" val="0"/>
-              </a:ext>
-            </a:extLst>
-          </a:blip>
-          <a:srcRect b="9223"/>
-          <a:stretch/>
-        </p:blipFill>
-        <p:spPr>
-          <a:xfrm>
-            <a:off x="4722983" y="3607924"/>
-            <a:ext cx="382402" cy="347132"/>
-          </a:xfrm>
-          <a:prstGeom prst="rect">
-            <a:avLst/>
-          </a:prstGeom>
-        </p:spPr>
-      </p:pic>
-      <p:pic>
-        <p:nvPicPr>
-          <p:cNvPr id="41" name="Picture 40">
-            <a:extLst>
-              <a:ext uri="{FF2B5EF4-FFF2-40B4-BE49-F238E27FC236}">
-                <a16:creationId xmlns:a16="http://schemas.microsoft.com/office/drawing/2014/main" id="{E494C46C-F9D2-44EF-9274-99BEA9FCA4F9}"/>
-              </a:ext>
-            </a:extLst>
-          </p:cNvPr>
-          <p:cNvPicPr>
-            <a:picLocks noChangeAspect="1"/>
-          </p:cNvPicPr>
-          <p:nvPr/>
-        </p:nvPicPr>
-        <p:blipFill rotWithShape="1">
-          <a:blip r:embed="rId3">
-            <a:extLst>
-              <a:ext uri="{28A0092B-C50C-407E-A947-70E740481C1C}">
-                <a14:useLocalDpi xmlns:a14="http://schemas.microsoft.com/office/drawing/2010/main" val="0"/>
-              </a:ext>
-            </a:extLst>
-          </a:blip>
-          <a:srcRect b="9223"/>
-          <a:stretch/>
-        </p:blipFill>
-        <p:spPr>
-          <a:xfrm>
-            <a:off x="8152371" y="3607924"/>
-            <a:ext cx="382402" cy="347132"/>
+            <a:off x="2126425" y="324891"/>
+            <a:ext cx="6498899" cy="6139204"/>
           </a:xfrm>
           <a:prstGeom prst="rect">
             <a:avLst/>
